--- a/DFS基础入门.pptx
+++ b/DFS基础入门.pptx
@@ -615,7 +615,7 @@
           <a:p>
             <a:fld id="{8675C2BE-FB54-41A8-B923-A3879F02C21E}" type="datetimeFigureOut">
               <a:rPr lang="zh-CN" altLang="en-US" smtClean="0"/>
-              <a:t>2024/6/10</a:t>
+              <a:t>2024/6/11</a:t>
             </a:fld>
             <a:endParaRPr lang="zh-CN" altLang="en-US"/>
           </a:p>
@@ -813,7 +813,7 @@
           <a:p>
             <a:fld id="{8675C2BE-FB54-41A8-B923-A3879F02C21E}" type="datetimeFigureOut">
               <a:rPr lang="zh-CN" altLang="en-US" smtClean="0"/>
-              <a:t>2024/6/10</a:t>
+              <a:t>2024/6/11</a:t>
             </a:fld>
             <a:endParaRPr lang="zh-CN" altLang="en-US"/>
           </a:p>
@@ -1021,7 +1021,7 @@
           <a:p>
             <a:fld id="{8675C2BE-FB54-41A8-B923-A3879F02C21E}" type="datetimeFigureOut">
               <a:rPr lang="zh-CN" altLang="en-US" smtClean="0"/>
-              <a:t>2024/6/10</a:t>
+              <a:t>2024/6/11</a:t>
             </a:fld>
             <a:endParaRPr lang="zh-CN" altLang="en-US"/>
           </a:p>
@@ -1219,7 +1219,7 @@
           <a:p>
             <a:fld id="{8675C2BE-FB54-41A8-B923-A3879F02C21E}" type="datetimeFigureOut">
               <a:rPr lang="zh-CN" altLang="en-US" smtClean="0"/>
-              <a:t>2024/6/10</a:t>
+              <a:t>2024/6/11</a:t>
             </a:fld>
             <a:endParaRPr lang="zh-CN" altLang="en-US"/>
           </a:p>
@@ -1494,7 +1494,7 @@
           <a:p>
             <a:fld id="{8675C2BE-FB54-41A8-B923-A3879F02C21E}" type="datetimeFigureOut">
               <a:rPr lang="zh-CN" altLang="en-US" smtClean="0"/>
-              <a:t>2024/6/10</a:t>
+              <a:t>2024/6/11</a:t>
             </a:fld>
             <a:endParaRPr lang="zh-CN" altLang="en-US"/>
           </a:p>
@@ -1759,7 +1759,7 @@
           <a:p>
             <a:fld id="{8675C2BE-FB54-41A8-B923-A3879F02C21E}" type="datetimeFigureOut">
               <a:rPr lang="zh-CN" altLang="en-US" smtClean="0"/>
-              <a:t>2024/6/10</a:t>
+              <a:t>2024/6/11</a:t>
             </a:fld>
             <a:endParaRPr lang="zh-CN" altLang="en-US"/>
           </a:p>
@@ -2171,7 +2171,7 @@
           <a:p>
             <a:fld id="{8675C2BE-FB54-41A8-B923-A3879F02C21E}" type="datetimeFigureOut">
               <a:rPr lang="zh-CN" altLang="en-US" smtClean="0"/>
-              <a:t>2024/6/10</a:t>
+              <a:t>2024/6/11</a:t>
             </a:fld>
             <a:endParaRPr lang="zh-CN" altLang="en-US"/>
           </a:p>
@@ -2312,7 +2312,7 @@
           <a:p>
             <a:fld id="{8675C2BE-FB54-41A8-B923-A3879F02C21E}" type="datetimeFigureOut">
               <a:rPr lang="zh-CN" altLang="en-US" smtClean="0"/>
-              <a:t>2024/6/10</a:t>
+              <a:t>2024/6/11</a:t>
             </a:fld>
             <a:endParaRPr lang="zh-CN" altLang="en-US"/>
           </a:p>
@@ -2425,7 +2425,7 @@
           <a:p>
             <a:fld id="{8675C2BE-FB54-41A8-B923-A3879F02C21E}" type="datetimeFigureOut">
               <a:rPr lang="zh-CN" altLang="en-US" smtClean="0"/>
-              <a:t>2024/6/10</a:t>
+              <a:t>2024/6/11</a:t>
             </a:fld>
             <a:endParaRPr lang="zh-CN" altLang="en-US"/>
           </a:p>
@@ -2736,7 +2736,7 @@
           <a:p>
             <a:fld id="{8675C2BE-FB54-41A8-B923-A3879F02C21E}" type="datetimeFigureOut">
               <a:rPr lang="zh-CN" altLang="en-US" smtClean="0"/>
-              <a:t>2024/6/10</a:t>
+              <a:t>2024/6/11</a:t>
             </a:fld>
             <a:endParaRPr lang="zh-CN" altLang="en-US"/>
           </a:p>
@@ -3024,7 +3024,7 @@
           <a:p>
             <a:fld id="{8675C2BE-FB54-41A8-B923-A3879F02C21E}" type="datetimeFigureOut">
               <a:rPr lang="zh-CN" altLang="en-US" smtClean="0"/>
-              <a:t>2024/6/10</a:t>
+              <a:t>2024/6/11</a:t>
             </a:fld>
             <a:endParaRPr lang="zh-CN" altLang="en-US"/>
           </a:p>
@@ -3265,7 +3265,7 @@
           <a:p>
             <a:fld id="{8675C2BE-FB54-41A8-B923-A3879F02C21E}" type="datetimeFigureOut">
               <a:rPr lang="zh-CN" altLang="en-US" smtClean="0"/>
-              <a:t>2024/6/10</a:t>
+              <a:t>2024/6/11</a:t>
             </a:fld>
             <a:endParaRPr lang="zh-CN" altLang="en-US"/>
           </a:p>
@@ -20298,8 +20298,8 @@
           </a:p>
         </p:txBody>
       </p:sp>
-      <mc:AlternateContent xmlns:mc="http://schemas.openxmlformats.org/markup-compatibility/2006">
-        <mc:Choice xmlns:p14="http://schemas.microsoft.com/office/powerpoint/2010/main" Requires="p14">
+      <mc:AlternateContent xmlns:mc="http://schemas.openxmlformats.org/markup-compatibility/2006" xmlns:p14="http://schemas.microsoft.com/office/powerpoint/2010/main">
+        <mc:Choice Requires="p14">
           <p:contentPart p14:bwMode="auto" r:id="rId2">
             <p14:nvContentPartPr>
               <p14:cNvPr id="29" name="墨迹 28">
@@ -20318,7 +20318,7 @@
             </p14:xfrm>
           </p:contentPart>
         </mc:Choice>
-        <mc:Fallback>
+        <mc:Fallback xmlns="">
           <p:pic>
             <p:nvPicPr>
               <p:cNvPr id="29" name="墨迹 28">
@@ -20369,8 +20369,8 @@
             <a:chExt cx="317160" cy="317160"/>
           </a:xfrm>
         </p:grpSpPr>
-        <mc:AlternateContent xmlns:mc="http://schemas.openxmlformats.org/markup-compatibility/2006">
-          <mc:Choice xmlns:p14="http://schemas.microsoft.com/office/powerpoint/2010/main" Requires="p14">
+        <mc:AlternateContent xmlns:mc="http://schemas.openxmlformats.org/markup-compatibility/2006" xmlns:p14="http://schemas.microsoft.com/office/powerpoint/2010/main">
+          <mc:Choice Requires="p14">
             <p:contentPart p14:bwMode="auto" r:id="rId4">
               <p14:nvContentPartPr>
                 <p14:cNvPr id="30" name="墨迹 29">
@@ -20389,7 +20389,7 @@
               </p14:xfrm>
             </p:contentPart>
           </mc:Choice>
-          <mc:Fallback>
+          <mc:Fallback xmlns="">
             <p:pic>
               <p:nvPicPr>
                 <p:cNvPr id="30" name="墨迹 29">
@@ -20420,8 +20420,8 @@
             </p:pic>
           </mc:Fallback>
         </mc:AlternateContent>
-        <mc:AlternateContent xmlns:mc="http://schemas.openxmlformats.org/markup-compatibility/2006">
-          <mc:Choice xmlns:p14="http://schemas.microsoft.com/office/powerpoint/2010/main" Requires="p14">
+        <mc:AlternateContent xmlns:mc="http://schemas.openxmlformats.org/markup-compatibility/2006" xmlns:p14="http://schemas.microsoft.com/office/powerpoint/2010/main">
+          <mc:Choice Requires="p14">
             <p:contentPart p14:bwMode="auto" r:id="rId6">
               <p14:nvContentPartPr>
                 <p14:cNvPr id="31" name="墨迹 30">
@@ -20440,7 +20440,7 @@
               </p14:xfrm>
             </p:contentPart>
           </mc:Choice>
-          <mc:Fallback>
+          <mc:Fallback xmlns="">
             <p:pic>
               <p:nvPicPr>
                 <p:cNvPr id="31" name="墨迹 30">
@@ -20472,8 +20472,8 @@
           </mc:Fallback>
         </mc:AlternateContent>
       </p:grpSp>
-      <mc:AlternateContent xmlns:mc="http://schemas.openxmlformats.org/markup-compatibility/2006">
-        <mc:Choice xmlns:p14="http://schemas.microsoft.com/office/powerpoint/2010/main" Requires="p14">
+      <mc:AlternateContent xmlns:mc="http://schemas.openxmlformats.org/markup-compatibility/2006" xmlns:p14="http://schemas.microsoft.com/office/powerpoint/2010/main">
+        <mc:Choice Requires="p14">
           <p:contentPart p14:bwMode="auto" r:id="rId8">
             <p14:nvContentPartPr>
               <p14:cNvPr id="34" name="墨迹 33">
@@ -20492,7 +20492,7 @@
             </p14:xfrm>
           </p:contentPart>
         </mc:Choice>
-        <mc:Fallback>
+        <mc:Fallback xmlns="">
           <p:pic>
             <p:nvPicPr>
               <p:cNvPr id="34" name="墨迹 33">
@@ -20543,8 +20543,8 @@
             <a:chExt cx="417600" cy="430920"/>
           </a:xfrm>
         </p:grpSpPr>
-        <mc:AlternateContent xmlns:mc="http://schemas.openxmlformats.org/markup-compatibility/2006">
-          <mc:Choice xmlns:p14="http://schemas.microsoft.com/office/powerpoint/2010/main" Requires="p14">
+        <mc:AlternateContent xmlns:mc="http://schemas.openxmlformats.org/markup-compatibility/2006" xmlns:p14="http://schemas.microsoft.com/office/powerpoint/2010/main">
+          <mc:Choice Requires="p14">
             <p:contentPart p14:bwMode="auto" r:id="rId10">
               <p14:nvContentPartPr>
                 <p14:cNvPr id="35" name="墨迹 34">
@@ -20563,7 +20563,7 @@
               </p14:xfrm>
             </p:contentPart>
           </mc:Choice>
-          <mc:Fallback>
+          <mc:Fallback xmlns="">
             <p:pic>
               <p:nvPicPr>
                 <p:cNvPr id="35" name="墨迹 34">
@@ -20594,8 +20594,8 @@
             </p:pic>
           </mc:Fallback>
         </mc:AlternateContent>
-        <mc:AlternateContent xmlns:mc="http://schemas.openxmlformats.org/markup-compatibility/2006">
-          <mc:Choice xmlns:p14="http://schemas.microsoft.com/office/powerpoint/2010/main" Requires="p14">
+        <mc:AlternateContent xmlns:mc="http://schemas.openxmlformats.org/markup-compatibility/2006" xmlns:p14="http://schemas.microsoft.com/office/powerpoint/2010/main">
+          <mc:Choice Requires="p14">
             <p:contentPart p14:bwMode="auto" r:id="rId12">
               <p14:nvContentPartPr>
                 <p14:cNvPr id="36" name="墨迹 35">
@@ -20614,7 +20614,7 @@
               </p14:xfrm>
             </p:contentPart>
           </mc:Choice>
-          <mc:Fallback>
+          <mc:Fallback xmlns="">
             <p:pic>
               <p:nvPicPr>
                 <p:cNvPr id="36" name="墨迹 35">
@@ -23174,8 +23174,8 @@
           </a:p>
         </p:txBody>
       </p:sp>
-      <mc:AlternateContent xmlns:mc="http://schemas.openxmlformats.org/markup-compatibility/2006">
-        <mc:Choice xmlns:p14="http://schemas.microsoft.com/office/powerpoint/2010/main" Requires="p14">
+      <mc:AlternateContent xmlns:mc="http://schemas.openxmlformats.org/markup-compatibility/2006" xmlns:p14="http://schemas.microsoft.com/office/powerpoint/2010/main">
+        <mc:Choice Requires="p14">
           <p:contentPart p14:bwMode="auto" r:id="rId2">
             <p14:nvContentPartPr>
               <p14:cNvPr id="4" name="墨迹 3">
@@ -23194,7 +23194,7 @@
             </p14:xfrm>
           </p:contentPart>
         </mc:Choice>
-        <mc:Fallback>
+        <mc:Fallback xmlns="">
           <p:pic>
             <p:nvPicPr>
               <p:cNvPr id="4" name="墨迹 3">
@@ -23245,8 +23245,8 @@
             <a:chExt cx="399240" cy="479520"/>
           </a:xfrm>
         </p:grpSpPr>
-        <mc:AlternateContent xmlns:mc="http://schemas.openxmlformats.org/markup-compatibility/2006">
-          <mc:Choice xmlns:p14="http://schemas.microsoft.com/office/powerpoint/2010/main" Requires="p14">
+        <mc:AlternateContent xmlns:mc="http://schemas.openxmlformats.org/markup-compatibility/2006" xmlns:p14="http://schemas.microsoft.com/office/powerpoint/2010/main">
+          <mc:Choice Requires="p14">
             <p:contentPart p14:bwMode="auto" r:id="rId4">
               <p14:nvContentPartPr>
                 <p14:cNvPr id="28" name="墨迹 27">
@@ -23265,7 +23265,7 @@
               </p14:xfrm>
             </p:contentPart>
           </mc:Choice>
-          <mc:Fallback>
+          <mc:Fallback xmlns="">
             <p:pic>
               <p:nvPicPr>
                 <p:cNvPr id="28" name="墨迹 27">
@@ -23296,8 +23296,8 @@
             </p:pic>
           </mc:Fallback>
         </mc:AlternateContent>
-        <mc:AlternateContent xmlns:mc="http://schemas.openxmlformats.org/markup-compatibility/2006">
-          <mc:Choice xmlns:p14="http://schemas.microsoft.com/office/powerpoint/2010/main" Requires="p14">
+        <mc:AlternateContent xmlns:mc="http://schemas.openxmlformats.org/markup-compatibility/2006" xmlns:p14="http://schemas.microsoft.com/office/powerpoint/2010/main">
+          <mc:Choice Requires="p14">
             <p:contentPart p14:bwMode="auto" r:id="rId6">
               <p14:nvContentPartPr>
                 <p14:cNvPr id="32" name="墨迹 31">
@@ -23316,7 +23316,7 @@
               </p14:xfrm>
             </p:contentPart>
           </mc:Choice>
-          <mc:Fallback>
+          <mc:Fallback xmlns="">
             <p:pic>
               <p:nvPicPr>
                 <p:cNvPr id="32" name="墨迹 31">
@@ -23348,8 +23348,8 @@
           </mc:Fallback>
         </mc:AlternateContent>
       </p:grpSp>
-      <mc:AlternateContent xmlns:mc="http://schemas.openxmlformats.org/markup-compatibility/2006">
-        <mc:Choice xmlns:p14="http://schemas.microsoft.com/office/powerpoint/2010/main" Requires="p14">
+      <mc:AlternateContent xmlns:mc="http://schemas.openxmlformats.org/markup-compatibility/2006" xmlns:p14="http://schemas.microsoft.com/office/powerpoint/2010/main">
+        <mc:Choice Requires="p14">
           <p:contentPart p14:bwMode="auto" r:id="rId8">
             <p14:nvContentPartPr>
               <p14:cNvPr id="39" name="墨迹 38">
@@ -23368,7 +23368,7 @@
             </p14:xfrm>
           </p:contentPart>
         </mc:Choice>
-        <mc:Fallback>
+        <mc:Fallback xmlns="">
           <p:pic>
             <p:nvPicPr>
               <p:cNvPr id="39" name="墨迹 38">
@@ -23419,8 +23419,8 @@
             <a:chExt cx="571320" cy="350280"/>
           </a:xfrm>
         </p:grpSpPr>
-        <mc:AlternateContent xmlns:mc="http://schemas.openxmlformats.org/markup-compatibility/2006">
-          <mc:Choice xmlns:p14="http://schemas.microsoft.com/office/powerpoint/2010/main" Requires="p14">
+        <mc:AlternateContent xmlns:mc="http://schemas.openxmlformats.org/markup-compatibility/2006" xmlns:p14="http://schemas.microsoft.com/office/powerpoint/2010/main">
+          <mc:Choice Requires="p14">
             <p:contentPart p14:bwMode="auto" r:id="rId10">
               <p14:nvContentPartPr>
                 <p14:cNvPr id="41" name="墨迹 40">
@@ -23439,7 +23439,7 @@
               </p14:xfrm>
             </p:contentPart>
           </mc:Choice>
-          <mc:Fallback>
+          <mc:Fallback xmlns="">
             <p:pic>
               <p:nvPicPr>
                 <p:cNvPr id="41" name="墨迹 40">
@@ -23470,8 +23470,8 @@
             </p:pic>
           </mc:Fallback>
         </mc:AlternateContent>
-        <mc:AlternateContent xmlns:mc="http://schemas.openxmlformats.org/markup-compatibility/2006">
-          <mc:Choice xmlns:p14="http://schemas.microsoft.com/office/powerpoint/2010/main" Requires="p14">
+        <mc:AlternateContent xmlns:mc="http://schemas.openxmlformats.org/markup-compatibility/2006" xmlns:p14="http://schemas.microsoft.com/office/powerpoint/2010/main">
+          <mc:Choice Requires="p14">
             <p:contentPart p14:bwMode="auto" r:id="rId12">
               <p14:nvContentPartPr>
                 <p14:cNvPr id="42" name="墨迹 41">
@@ -23490,7 +23490,7 @@
               </p14:xfrm>
             </p:contentPart>
           </mc:Choice>
-          <mc:Fallback>
+          <mc:Fallback xmlns="">
             <p:pic>
               <p:nvPicPr>
                 <p:cNvPr id="42" name="墨迹 41">
@@ -26734,10 +26734,10 @@
       </p:sp>
       <p:sp>
         <p:nvSpPr>
-          <p:cNvPr id="3" name="文本框 2">
+          <p:cNvPr id="5" name="文本框 4">
             <a:extLst>
               <a:ext uri="{FF2B5EF4-FFF2-40B4-BE49-F238E27FC236}">
-                <a16:creationId xmlns:a16="http://schemas.microsoft.com/office/drawing/2014/main" id="{1FB0BCB7-762E-3791-21EE-CE8245F5611A}"/>
+                <a16:creationId xmlns:a16="http://schemas.microsoft.com/office/drawing/2014/main" id="{11EA81B1-4FFE-F5BC-1156-770769223FBF}"/>
               </a:ext>
             </a:extLst>
           </p:cNvPr>
@@ -26746,8 +26746,190 @@
         </p:nvSpPr>
         <p:spPr>
           <a:xfrm>
-            <a:off x="4009375" y="2696134"/>
-            <a:ext cx="2759089" cy="646331"/>
+            <a:off x="45277" y="878508"/>
+            <a:ext cx="5523185" cy="3139321"/>
+          </a:xfrm>
+          <a:prstGeom prst="rect">
+            <a:avLst/>
+          </a:prstGeom>
+          <a:noFill/>
+        </p:spPr>
+        <p:txBody>
+          <a:bodyPr wrap="square">
+            <a:spAutoFit/>
+          </a:bodyPr>
+          <a:lstStyle/>
+          <a:p>
+            <a:r>
+              <a:rPr lang="en-US" altLang="zh-CN" dirty="0">
+                <a:hlinkClick r:id="rId2"/>
+              </a:rPr>
+              <a:t>1.https://github.com/qizhengyang-cs/DFS</a:t>
+            </a:r>
+            <a:endParaRPr lang="en-US" altLang="zh-CN" dirty="0"/>
+          </a:p>
+          <a:p>
+            <a:endParaRPr lang="en-US" altLang="zh-CN" dirty="0"/>
+          </a:p>
+          <a:p>
+            <a:endParaRPr lang="en-US" altLang="zh-CN" dirty="0"/>
+          </a:p>
+          <a:p>
+            <a:r>
+              <a:rPr lang="en-US" altLang="zh-CN" dirty="0">
+                <a:hlinkClick r:id="rId3"/>
+              </a:rPr>
+              <a:t>2.https://www.youtube.com/@ZhengyangQi/featured</a:t>
+            </a:r>
+            <a:endParaRPr lang="en-US" altLang="zh-CN" dirty="0"/>
+          </a:p>
+          <a:p>
+            <a:endParaRPr lang="en-US" altLang="zh-CN" dirty="0"/>
+          </a:p>
+          <a:p>
+            <a:endParaRPr lang="en-US" altLang="zh-CN" dirty="0"/>
+          </a:p>
+          <a:p>
+            <a:r>
+              <a:rPr lang="en-US" altLang="zh-CN" dirty="0">
+                <a:hlinkClick r:id="rId4"/>
+              </a:rPr>
+              <a:t>3.https://pythontutor.com/</a:t>
+            </a:r>
+            <a:r>
+              <a:rPr lang="en-US" altLang="zh-CN" dirty="0" err="1">
+                <a:hlinkClick r:id="rId4"/>
+              </a:rPr>
+              <a:t>render.html#mode</a:t>
+            </a:r>
+            <a:r>
+              <a:rPr lang="en-US" altLang="zh-CN" dirty="0">
+                <a:hlinkClick r:id="rId4"/>
+              </a:rPr>
+              <a:t>=display</a:t>
+            </a:r>
+            <a:endParaRPr lang="en-US" altLang="zh-CN" dirty="0"/>
+          </a:p>
+          <a:p>
+            <a:endParaRPr lang="en-US" altLang="zh-CN" dirty="0"/>
+          </a:p>
+          <a:p>
+            <a:endParaRPr lang="en-US" altLang="zh-CN" dirty="0"/>
+          </a:p>
+          <a:p>
+            <a:endParaRPr lang="en-US" altLang="zh-CN" dirty="0"/>
+          </a:p>
+          <a:p>
+            <a:endParaRPr lang="zh-CN" altLang="en-US" dirty="0"/>
+          </a:p>
+        </p:txBody>
+      </p:sp>
+      <p:pic>
+        <p:nvPicPr>
+          <p:cNvPr id="7" name="图片 6">
+            <a:extLst>
+              <a:ext uri="{FF2B5EF4-FFF2-40B4-BE49-F238E27FC236}">
+                <a16:creationId xmlns:a16="http://schemas.microsoft.com/office/drawing/2014/main" id="{AB9849F2-E93E-8EDF-817E-68211085451D}"/>
+              </a:ext>
+            </a:extLst>
+          </p:cNvPr>
+          <p:cNvPicPr>
+            <a:picLocks noChangeAspect="1"/>
+          </p:cNvPicPr>
+          <p:nvPr/>
+        </p:nvPicPr>
+        <p:blipFill>
+          <a:blip r:embed="rId5"/>
+          <a:stretch>
+            <a:fillRect/>
+          </a:stretch>
+        </p:blipFill>
+        <p:spPr>
+          <a:xfrm>
+            <a:off x="4855925" y="530703"/>
+            <a:ext cx="7336076" cy="2804512"/>
+          </a:xfrm>
+          <a:prstGeom prst="rect">
+            <a:avLst/>
+          </a:prstGeom>
+        </p:spPr>
+      </p:pic>
+      <p:pic>
+        <p:nvPicPr>
+          <p:cNvPr id="9" name="图片 8">
+            <a:extLst>
+              <a:ext uri="{FF2B5EF4-FFF2-40B4-BE49-F238E27FC236}">
+                <a16:creationId xmlns:a16="http://schemas.microsoft.com/office/drawing/2014/main" id="{647FF0CD-D59F-23DD-ACBD-465249F2A169}"/>
+              </a:ext>
+            </a:extLst>
+          </p:cNvPr>
+          <p:cNvPicPr>
+            <a:picLocks noChangeAspect="1"/>
+          </p:cNvPicPr>
+          <p:nvPr/>
+        </p:nvPicPr>
+        <p:blipFill>
+          <a:blip r:embed="rId6"/>
+          <a:stretch>
+            <a:fillRect/>
+          </a:stretch>
+        </p:blipFill>
+        <p:spPr>
+          <a:xfrm>
+            <a:off x="3458074" y="3253068"/>
+            <a:ext cx="8733926" cy="1400906"/>
+          </a:xfrm>
+          <a:prstGeom prst="rect">
+            <a:avLst/>
+          </a:prstGeom>
+        </p:spPr>
+      </p:pic>
+      <p:pic>
+        <p:nvPicPr>
+          <p:cNvPr id="11" name="图片 10">
+            <a:extLst>
+              <a:ext uri="{FF2B5EF4-FFF2-40B4-BE49-F238E27FC236}">
+                <a16:creationId xmlns:a16="http://schemas.microsoft.com/office/drawing/2014/main" id="{559218D3-3117-A72D-B81D-2D70D17594F3}"/>
+              </a:ext>
+            </a:extLst>
+          </p:cNvPr>
+          <p:cNvPicPr>
+            <a:picLocks noChangeAspect="1"/>
+          </p:cNvPicPr>
+          <p:nvPr/>
+        </p:nvPicPr>
+        <p:blipFill>
+          <a:blip r:embed="rId7"/>
+          <a:stretch>
+            <a:fillRect/>
+          </a:stretch>
+        </p:blipFill>
+        <p:spPr>
+          <a:xfrm>
+            <a:off x="4855924" y="846992"/>
+            <a:ext cx="6300003" cy="5164015"/>
+          </a:xfrm>
+          <a:prstGeom prst="rect">
+            <a:avLst/>
+          </a:prstGeom>
+        </p:spPr>
+      </p:pic>
+      <p:sp>
+        <p:nvSpPr>
+          <p:cNvPr id="12" name="文本框 11">
+            <a:extLst>
+              <a:ext uri="{FF2B5EF4-FFF2-40B4-BE49-F238E27FC236}">
+                <a16:creationId xmlns:a16="http://schemas.microsoft.com/office/drawing/2014/main" id="{4EE871C6-3F65-26FE-22E3-6ED7ED150A45}"/>
+              </a:ext>
+            </a:extLst>
+          </p:cNvPr>
+          <p:cNvSpPr txBox="1"/>
+          <p:nvPr/>
+        </p:nvSpPr>
+        <p:spPr>
+          <a:xfrm>
+            <a:off x="2865139" y="2791403"/>
+            <a:ext cx="7516801" cy="923330"/>
           </a:xfrm>
           <a:prstGeom prst="rect">
             <a:avLst/>
@@ -26761,10 +26943,14 @@
           <a:lstStyle/>
           <a:p>
             <a:r>
-              <a:rPr lang="en-US" altLang="zh-CN" sz="3600" b="1" dirty="0"/>
-              <a:t>Thank   you!</a:t>
-            </a:r>
-            <a:endParaRPr lang="zh-CN" altLang="en-US" sz="3600" b="1" dirty="0"/>
+              <a:rPr lang="en-US" altLang="zh-CN" sz="5400" dirty="0">
+                <a:latin typeface="Georgia" panose="02040502050405020303" pitchFamily="18" charset="0"/>
+              </a:rPr>
+              <a:t>Thank you for listening!</a:t>
+            </a:r>
+            <a:endParaRPr lang="zh-CN" altLang="en-US" sz="5400" dirty="0">
+              <a:latin typeface="Georgia" panose="02040502050405020303" pitchFamily="18" charset="0"/>
+            </a:endParaRPr>
           </a:p>
         </p:txBody>
       </p:sp>
@@ -26778,6 +26964,410 @@
   <p:clrMapOvr>
     <a:masterClrMapping/>
   </p:clrMapOvr>
+  <p:timing>
+    <p:tnLst>
+      <p:par>
+        <p:cTn id="1" dur="indefinite" restart="never" nodeType="tmRoot">
+          <p:childTnLst>
+            <p:seq concurrent="1" nextAc="seek">
+              <p:cTn id="2" dur="indefinite" nodeType="mainSeq">
+                <p:childTnLst>
+                  <p:par>
+                    <p:cTn id="3" fill="hold">
+                      <p:stCondLst>
+                        <p:cond delay="indefinite"/>
+                      </p:stCondLst>
+                      <p:childTnLst>
+                        <p:par>
+                          <p:cTn id="4" fill="hold">
+                            <p:stCondLst>
+                              <p:cond delay="0"/>
+                            </p:stCondLst>
+                            <p:childTnLst>
+                              <p:par>
+                                <p:cTn id="5" presetID="22" presetClass="entr" presetSubtype="8" fill="hold" nodeType="clickEffect">
+                                  <p:stCondLst>
+                                    <p:cond delay="0"/>
+                                  </p:stCondLst>
+                                  <p:childTnLst>
+                                    <p:set>
+                                      <p:cBhvr>
+                                        <p:cTn id="6" dur="1" fill="hold">
+                                          <p:stCondLst>
+                                            <p:cond delay="0"/>
+                                          </p:stCondLst>
+                                        </p:cTn>
+                                        <p:tgtEl>
+                                          <p:spTgt spid="7"/>
+                                        </p:tgtEl>
+                                        <p:attrNameLst>
+                                          <p:attrName>style.visibility</p:attrName>
+                                        </p:attrNameLst>
+                                      </p:cBhvr>
+                                      <p:to>
+                                        <p:strVal val="visible"/>
+                                      </p:to>
+                                    </p:set>
+                                    <p:animEffect transition="in" filter="wipe(left)">
+                                      <p:cBhvr>
+                                        <p:cTn id="7" dur="500"/>
+                                        <p:tgtEl>
+                                          <p:spTgt spid="7"/>
+                                        </p:tgtEl>
+                                      </p:cBhvr>
+                                    </p:animEffect>
+                                  </p:childTnLst>
+                                </p:cTn>
+                              </p:par>
+                            </p:childTnLst>
+                          </p:cTn>
+                        </p:par>
+                      </p:childTnLst>
+                    </p:cTn>
+                  </p:par>
+                  <p:par>
+                    <p:cTn id="8" fill="hold">
+                      <p:stCondLst>
+                        <p:cond delay="indefinite"/>
+                      </p:stCondLst>
+                      <p:childTnLst>
+                        <p:par>
+                          <p:cTn id="9" fill="hold">
+                            <p:stCondLst>
+                              <p:cond delay="0"/>
+                            </p:stCondLst>
+                            <p:childTnLst>
+                              <p:par>
+                                <p:cTn id="10" presetID="10" presetClass="exit" presetSubtype="0" fill="hold" nodeType="clickEffect">
+                                  <p:stCondLst>
+                                    <p:cond delay="0"/>
+                                  </p:stCondLst>
+                                  <p:childTnLst>
+                                    <p:animEffect transition="out" filter="fade">
+                                      <p:cBhvr>
+                                        <p:cTn id="11" dur="500"/>
+                                        <p:tgtEl>
+                                          <p:spTgt spid="7"/>
+                                        </p:tgtEl>
+                                      </p:cBhvr>
+                                    </p:animEffect>
+                                    <p:set>
+                                      <p:cBhvr>
+                                        <p:cTn id="12" dur="1" fill="hold">
+                                          <p:stCondLst>
+                                            <p:cond delay="499"/>
+                                          </p:stCondLst>
+                                        </p:cTn>
+                                        <p:tgtEl>
+                                          <p:spTgt spid="7"/>
+                                        </p:tgtEl>
+                                        <p:attrNameLst>
+                                          <p:attrName>style.visibility</p:attrName>
+                                        </p:attrNameLst>
+                                      </p:cBhvr>
+                                      <p:to>
+                                        <p:strVal val="hidden"/>
+                                      </p:to>
+                                    </p:set>
+                                  </p:childTnLst>
+                                </p:cTn>
+                              </p:par>
+                            </p:childTnLst>
+                          </p:cTn>
+                        </p:par>
+                      </p:childTnLst>
+                    </p:cTn>
+                  </p:par>
+                  <p:par>
+                    <p:cTn id="13" fill="hold">
+                      <p:stCondLst>
+                        <p:cond delay="indefinite"/>
+                      </p:stCondLst>
+                      <p:childTnLst>
+                        <p:par>
+                          <p:cTn id="14" fill="hold">
+                            <p:stCondLst>
+                              <p:cond delay="0"/>
+                            </p:stCondLst>
+                            <p:childTnLst>
+                              <p:par>
+                                <p:cTn id="15" presetID="22" presetClass="entr" presetSubtype="8" fill="hold" nodeType="clickEffect">
+                                  <p:stCondLst>
+                                    <p:cond delay="0"/>
+                                  </p:stCondLst>
+                                  <p:childTnLst>
+                                    <p:set>
+                                      <p:cBhvr>
+                                        <p:cTn id="16" dur="1" fill="hold">
+                                          <p:stCondLst>
+                                            <p:cond delay="0"/>
+                                          </p:stCondLst>
+                                        </p:cTn>
+                                        <p:tgtEl>
+                                          <p:spTgt spid="9"/>
+                                        </p:tgtEl>
+                                        <p:attrNameLst>
+                                          <p:attrName>style.visibility</p:attrName>
+                                        </p:attrNameLst>
+                                      </p:cBhvr>
+                                      <p:to>
+                                        <p:strVal val="visible"/>
+                                      </p:to>
+                                    </p:set>
+                                    <p:animEffect transition="in" filter="wipe(left)">
+                                      <p:cBhvr>
+                                        <p:cTn id="17" dur="500"/>
+                                        <p:tgtEl>
+                                          <p:spTgt spid="9"/>
+                                        </p:tgtEl>
+                                      </p:cBhvr>
+                                    </p:animEffect>
+                                  </p:childTnLst>
+                                </p:cTn>
+                              </p:par>
+                            </p:childTnLst>
+                          </p:cTn>
+                        </p:par>
+                      </p:childTnLst>
+                    </p:cTn>
+                  </p:par>
+                  <p:par>
+                    <p:cTn id="18" fill="hold">
+                      <p:stCondLst>
+                        <p:cond delay="indefinite"/>
+                      </p:stCondLst>
+                      <p:childTnLst>
+                        <p:par>
+                          <p:cTn id="19" fill="hold">
+                            <p:stCondLst>
+                              <p:cond delay="0"/>
+                            </p:stCondLst>
+                            <p:childTnLst>
+                              <p:par>
+                                <p:cTn id="20" presetID="10" presetClass="exit" presetSubtype="0" fill="hold" nodeType="clickEffect">
+                                  <p:stCondLst>
+                                    <p:cond delay="0"/>
+                                  </p:stCondLst>
+                                  <p:childTnLst>
+                                    <p:animEffect transition="out" filter="fade">
+                                      <p:cBhvr>
+                                        <p:cTn id="21" dur="500"/>
+                                        <p:tgtEl>
+                                          <p:spTgt spid="9"/>
+                                        </p:tgtEl>
+                                      </p:cBhvr>
+                                    </p:animEffect>
+                                    <p:set>
+                                      <p:cBhvr>
+                                        <p:cTn id="22" dur="1" fill="hold">
+                                          <p:stCondLst>
+                                            <p:cond delay="499"/>
+                                          </p:stCondLst>
+                                        </p:cTn>
+                                        <p:tgtEl>
+                                          <p:spTgt spid="9"/>
+                                        </p:tgtEl>
+                                        <p:attrNameLst>
+                                          <p:attrName>style.visibility</p:attrName>
+                                        </p:attrNameLst>
+                                      </p:cBhvr>
+                                      <p:to>
+                                        <p:strVal val="hidden"/>
+                                      </p:to>
+                                    </p:set>
+                                  </p:childTnLst>
+                                </p:cTn>
+                              </p:par>
+                            </p:childTnLst>
+                          </p:cTn>
+                        </p:par>
+                      </p:childTnLst>
+                    </p:cTn>
+                  </p:par>
+                  <p:par>
+                    <p:cTn id="23" fill="hold">
+                      <p:stCondLst>
+                        <p:cond delay="indefinite"/>
+                      </p:stCondLst>
+                      <p:childTnLst>
+                        <p:par>
+                          <p:cTn id="24" fill="hold">
+                            <p:stCondLst>
+                              <p:cond delay="0"/>
+                            </p:stCondLst>
+                            <p:childTnLst>
+                              <p:par>
+                                <p:cTn id="25" presetID="22" presetClass="entr" presetSubtype="8" fill="hold" nodeType="clickEffect">
+                                  <p:stCondLst>
+                                    <p:cond delay="0"/>
+                                  </p:stCondLst>
+                                  <p:childTnLst>
+                                    <p:set>
+                                      <p:cBhvr>
+                                        <p:cTn id="26" dur="1" fill="hold">
+                                          <p:stCondLst>
+                                            <p:cond delay="0"/>
+                                          </p:stCondLst>
+                                        </p:cTn>
+                                        <p:tgtEl>
+                                          <p:spTgt spid="11"/>
+                                        </p:tgtEl>
+                                        <p:attrNameLst>
+                                          <p:attrName>style.visibility</p:attrName>
+                                        </p:attrNameLst>
+                                      </p:cBhvr>
+                                      <p:to>
+                                        <p:strVal val="visible"/>
+                                      </p:to>
+                                    </p:set>
+                                    <p:animEffect transition="in" filter="wipe(left)">
+                                      <p:cBhvr>
+                                        <p:cTn id="27" dur="500"/>
+                                        <p:tgtEl>
+                                          <p:spTgt spid="11"/>
+                                        </p:tgtEl>
+                                      </p:cBhvr>
+                                    </p:animEffect>
+                                  </p:childTnLst>
+                                </p:cTn>
+                              </p:par>
+                            </p:childTnLst>
+                          </p:cTn>
+                        </p:par>
+                      </p:childTnLst>
+                    </p:cTn>
+                  </p:par>
+                  <p:par>
+                    <p:cTn id="28" fill="hold">
+                      <p:stCondLst>
+                        <p:cond delay="indefinite"/>
+                      </p:stCondLst>
+                      <p:childTnLst>
+                        <p:par>
+                          <p:cTn id="29" fill="hold">
+                            <p:stCondLst>
+                              <p:cond delay="0"/>
+                            </p:stCondLst>
+                            <p:childTnLst>
+                              <p:par>
+                                <p:cTn id="30" presetID="10" presetClass="exit" presetSubtype="0" fill="hold" nodeType="clickEffect">
+                                  <p:stCondLst>
+                                    <p:cond delay="0"/>
+                                  </p:stCondLst>
+                                  <p:childTnLst>
+                                    <p:animEffect transition="out" filter="fade">
+                                      <p:cBhvr>
+                                        <p:cTn id="31" dur="500"/>
+                                        <p:tgtEl>
+                                          <p:spTgt spid="11"/>
+                                        </p:tgtEl>
+                                      </p:cBhvr>
+                                    </p:animEffect>
+                                    <p:set>
+                                      <p:cBhvr>
+                                        <p:cTn id="32" dur="1" fill="hold">
+                                          <p:stCondLst>
+                                            <p:cond delay="499"/>
+                                          </p:stCondLst>
+                                        </p:cTn>
+                                        <p:tgtEl>
+                                          <p:spTgt spid="11"/>
+                                        </p:tgtEl>
+                                        <p:attrNameLst>
+                                          <p:attrName>style.visibility</p:attrName>
+                                        </p:attrNameLst>
+                                      </p:cBhvr>
+                                      <p:to>
+                                        <p:strVal val="hidden"/>
+                                      </p:to>
+                                    </p:set>
+                                  </p:childTnLst>
+                                </p:cTn>
+                              </p:par>
+                            </p:childTnLst>
+                          </p:cTn>
+                        </p:par>
+                      </p:childTnLst>
+                    </p:cTn>
+                  </p:par>
+                  <p:par>
+                    <p:cTn id="33" fill="hold">
+                      <p:stCondLst>
+                        <p:cond delay="indefinite"/>
+                      </p:stCondLst>
+                      <p:childTnLst>
+                        <p:par>
+                          <p:cTn id="34" fill="hold">
+                            <p:stCondLst>
+                              <p:cond delay="0"/>
+                            </p:stCondLst>
+                            <p:childTnLst>
+                              <p:par>
+                                <p:cTn id="35" presetID="22" presetClass="entr" presetSubtype="8" fill="hold" grpId="0" nodeType="clickEffect">
+                                  <p:stCondLst>
+                                    <p:cond delay="0"/>
+                                  </p:stCondLst>
+                                  <p:childTnLst>
+                                    <p:set>
+                                      <p:cBhvr>
+                                        <p:cTn id="36" dur="1" fill="hold">
+                                          <p:stCondLst>
+                                            <p:cond delay="0"/>
+                                          </p:stCondLst>
+                                        </p:cTn>
+                                        <p:tgtEl>
+                                          <p:spTgt spid="12"/>
+                                        </p:tgtEl>
+                                        <p:attrNameLst>
+                                          <p:attrName>style.visibility</p:attrName>
+                                        </p:attrNameLst>
+                                      </p:cBhvr>
+                                      <p:to>
+                                        <p:strVal val="visible"/>
+                                      </p:to>
+                                    </p:set>
+                                    <p:animEffect transition="in" filter="wipe(left)">
+                                      <p:cBhvr>
+                                        <p:cTn id="37" dur="2000"/>
+                                        <p:tgtEl>
+                                          <p:spTgt spid="12"/>
+                                        </p:tgtEl>
+                                      </p:cBhvr>
+                                    </p:animEffect>
+                                  </p:childTnLst>
+                                </p:cTn>
+                              </p:par>
+                            </p:childTnLst>
+                          </p:cTn>
+                        </p:par>
+                      </p:childTnLst>
+                    </p:cTn>
+                  </p:par>
+                </p:childTnLst>
+              </p:cTn>
+              <p:prevCondLst>
+                <p:cond evt="onPrev" delay="0">
+                  <p:tgtEl>
+                    <p:sldTgt/>
+                  </p:tgtEl>
+                </p:cond>
+              </p:prevCondLst>
+              <p:nextCondLst>
+                <p:cond evt="onNext" delay="0">
+                  <p:tgtEl>
+                    <p:sldTgt/>
+                  </p:tgtEl>
+                </p:cond>
+              </p:nextCondLst>
+            </p:seq>
+          </p:childTnLst>
+        </p:cTn>
+      </p:par>
+    </p:tnLst>
+    <p:bldLst>
+      <p:bldP spid="12" grpId="0"/>
+    </p:bldLst>
+  </p:timing>
 </p:sld>
 </file>
 
